--- a/assets/img/CardiacCycleForLogo.pptx
+++ b/assets/img/CardiacCycleForLogo.pptx
@@ -3363,6 +3363,95 @@
           </a:prstGeom>
         </p:spPr>
       </p:pic>
+      <p:grpSp>
+        <p:nvGrpSpPr>
+          <p:cNvPr id="42" name="Group 41">
+            <a:extLst>
+              <a:ext uri="{FF2B5EF4-FFF2-40B4-BE49-F238E27FC236}">
+                <a16:creationId xmlns:a16="http://schemas.microsoft.com/office/drawing/2014/main" id="{8CC4B740-51B7-431E-7822-FBC6D2E5D2D2}"/>
+              </a:ext>
+            </a:extLst>
+          </p:cNvPr>
+          <p:cNvGrpSpPr/>
+          <p:nvPr/>
+        </p:nvGrpSpPr>
+        <p:grpSpPr>
+          <a:xfrm>
+            <a:off x="6333053" y="892298"/>
+            <a:ext cx="2898772" cy="3542249"/>
+            <a:chOff x="8595787" y="191563"/>
+            <a:chExt cx="2258627" cy="2880243"/>
+          </a:xfrm>
+        </p:grpSpPr>
+        <p:pic>
+          <p:nvPicPr>
+            <p:cNvPr id="39" name="Google Shape;291;g25e0823511f_0_0">
+              <a:extLst>
+                <a:ext uri="{FF2B5EF4-FFF2-40B4-BE49-F238E27FC236}">
+                  <a16:creationId xmlns:a16="http://schemas.microsoft.com/office/drawing/2014/main" id="{A6ACE4F5-C98E-1005-42FF-B72839E571D7}"/>
+                </a:ext>
+              </a:extLst>
+            </p:cNvPr>
+            <p:cNvPicPr preferRelativeResize="0"/>
+            <p:nvPr/>
+          </p:nvPicPr>
+          <p:blipFill rotWithShape="1">
+            <a:blip r:embed="rId3">
+              <a:alphaModFix/>
+              <a:lum bright="70000" contrast="-70000"/>
+            </a:blip>
+            <a:srcRect r="5317"/>
+            <a:stretch/>
+          </p:blipFill>
+          <p:spPr>
+            <a:xfrm>
+              <a:off x="8595787" y="191563"/>
+              <a:ext cx="2258626" cy="2385464"/>
+            </a:xfrm>
+            <a:prstGeom prst="rect">
+              <a:avLst/>
+            </a:prstGeom>
+            <a:noFill/>
+            <a:ln>
+              <a:noFill/>
+            </a:ln>
+          </p:spPr>
+        </p:pic>
+        <p:pic>
+          <p:nvPicPr>
+            <p:cNvPr id="41" name="Google Shape;291;g25e0823511f_0_0">
+              <a:extLst>
+                <a:ext uri="{FF2B5EF4-FFF2-40B4-BE49-F238E27FC236}">
+                  <a16:creationId xmlns:a16="http://schemas.microsoft.com/office/drawing/2014/main" id="{26701AC1-D8D6-79E7-0C43-79B1F3A56D44}"/>
+                </a:ext>
+              </a:extLst>
+            </p:cNvPr>
+            <p:cNvPicPr preferRelativeResize="0"/>
+            <p:nvPr/>
+          </p:nvPicPr>
+          <p:blipFill rotWithShape="1">
+            <a:blip r:embed="rId3">
+              <a:alphaModFix/>
+              <a:lum bright="70000" contrast="-70000"/>
+            </a:blip>
+            <a:srcRect r="5317"/>
+            <a:stretch/>
+          </p:blipFill>
+          <p:spPr>
+            <a:xfrm>
+              <a:off x="8595788" y="686342"/>
+              <a:ext cx="2258626" cy="2385464"/>
+            </a:xfrm>
+            <a:prstGeom prst="rect">
+              <a:avLst/>
+            </a:prstGeom>
+            <a:noFill/>
+            <a:ln>
+              <a:noFill/>
+            </a:ln>
+          </p:spPr>
+        </p:pic>
+      </p:grpSp>
       <p:sp>
         <p:nvSpPr>
           <p:cNvPr id="10" name="Flowchart: Connector 9">
@@ -3846,7 +3935,7 @@
             <p:nvPr/>
           </p:nvPicPr>
           <p:blipFill rotWithShape="1">
-            <a:blip r:embed="rId3">
+            <a:blip r:embed="rId4">
               <a:extLst>
                 <a:ext uri="{28A0092B-C50C-407E-A947-70E740481C1C}">
                   <a14:useLocalDpi xmlns:a14="http://schemas.microsoft.com/office/drawing/2010/main" val="0"/>
@@ -3881,7 +3970,7 @@
             <p:nvPr/>
           </p:nvPicPr>
           <p:blipFill>
-            <a:blip r:embed="rId4">
+            <a:blip r:embed="rId5">
               <a:extLst>
                 <a:ext uri="{28A0092B-C50C-407E-A947-70E740481C1C}">
                   <a14:useLocalDpi xmlns:a14="http://schemas.microsoft.com/office/drawing/2010/main" val="0"/>
@@ -4476,6 +4565,247 @@
           </a:fontRef>
         </p:style>
       </p:cxnSp>
+      <p:grpSp>
+        <p:nvGrpSpPr>
+          <p:cNvPr id="43" name="Group 42">
+            <a:extLst>
+              <a:ext uri="{FF2B5EF4-FFF2-40B4-BE49-F238E27FC236}">
+                <a16:creationId xmlns:a16="http://schemas.microsoft.com/office/drawing/2014/main" id="{6A2D2689-700B-1729-2382-27AEBDD3C25E}"/>
+              </a:ext>
+            </a:extLst>
+          </p:cNvPr>
+          <p:cNvGrpSpPr/>
+          <p:nvPr/>
+        </p:nvGrpSpPr>
+        <p:grpSpPr>
+          <a:xfrm>
+            <a:off x="9095370" y="2119638"/>
+            <a:ext cx="1509288" cy="737967"/>
+            <a:chOff x="8736584" y="4799125"/>
+            <a:chExt cx="1509288" cy="737967"/>
+          </a:xfrm>
+        </p:grpSpPr>
+        <p:sp>
+          <p:nvSpPr>
+            <p:cNvPr id="35" name="Freeform 34">
+              <a:extLst>
+                <a:ext uri="{FF2B5EF4-FFF2-40B4-BE49-F238E27FC236}">
+                  <a16:creationId xmlns:a16="http://schemas.microsoft.com/office/drawing/2014/main" id="{0E792866-F153-6753-980D-05C6D3EC50D8}"/>
+                </a:ext>
+              </a:extLst>
+            </p:cNvPr>
+            <p:cNvSpPr/>
+            <p:nvPr/>
+          </p:nvSpPr>
+          <p:spPr>
+            <a:xfrm rot="21193428">
+              <a:off x="8736584" y="4880394"/>
+              <a:ext cx="1262929" cy="656698"/>
+            </a:xfrm>
+            <a:custGeom>
+              <a:avLst/>
+              <a:gdLst>
+                <a:gd name="connsiteX0" fmla="*/ 0 w 2424546"/>
+                <a:gd name="connsiteY0" fmla="*/ 776332 h 1067278"/>
+                <a:gd name="connsiteX1" fmla="*/ 1039091 w 2424546"/>
+                <a:gd name="connsiteY1" fmla="*/ 478 h 1067278"/>
+                <a:gd name="connsiteX2" fmla="*/ 1856510 w 2424546"/>
+                <a:gd name="connsiteY2" fmla="*/ 873314 h 1067278"/>
+                <a:gd name="connsiteX3" fmla="*/ 2424546 w 2424546"/>
+                <a:gd name="connsiteY3" fmla="*/ 1067278 h 1067278"/>
+              </a:gdLst>
+              <a:ahLst/>
+              <a:cxnLst>
+                <a:cxn ang="0">
+                  <a:pos x="connsiteX0" y="connsiteY0"/>
+                </a:cxn>
+                <a:cxn ang="0">
+                  <a:pos x="connsiteX1" y="connsiteY1"/>
+                </a:cxn>
+                <a:cxn ang="0">
+                  <a:pos x="connsiteX2" y="connsiteY2"/>
+                </a:cxn>
+                <a:cxn ang="0">
+                  <a:pos x="connsiteX3" y="connsiteY3"/>
+                </a:cxn>
+              </a:cxnLst>
+              <a:rect l="l" t="t" r="r" b="b"/>
+              <a:pathLst>
+                <a:path w="2424546" h="1067278">
+                  <a:moveTo>
+                    <a:pt x="0" y="776332"/>
+                  </a:moveTo>
+                  <a:cubicBezTo>
+                    <a:pt x="364836" y="380323"/>
+                    <a:pt x="729673" y="-15686"/>
+                    <a:pt x="1039091" y="478"/>
+                  </a:cubicBezTo>
+                  <a:cubicBezTo>
+                    <a:pt x="1348509" y="16642"/>
+                    <a:pt x="1625601" y="695514"/>
+                    <a:pt x="1856510" y="873314"/>
+                  </a:cubicBezTo>
+                  <a:cubicBezTo>
+                    <a:pt x="2087419" y="1051114"/>
+                    <a:pt x="2283691" y="1037260"/>
+                    <a:pt x="2424546" y="1067278"/>
+                  </a:cubicBezTo>
+                </a:path>
+              </a:pathLst>
+            </a:custGeom>
+            <a:noFill/>
+            <a:ln w="38100">
+              <a:solidFill>
+                <a:schemeClr val="accent2"/>
+              </a:solidFill>
+            </a:ln>
+          </p:spPr>
+          <p:style>
+            <a:lnRef idx="2">
+              <a:schemeClr val="accent1">
+                <a:shade val="15000"/>
+              </a:schemeClr>
+            </a:lnRef>
+            <a:fillRef idx="1">
+              <a:schemeClr val="accent1"/>
+            </a:fillRef>
+            <a:effectRef idx="0">
+              <a:schemeClr val="accent1"/>
+            </a:effectRef>
+            <a:fontRef idx="minor">
+              <a:schemeClr val="lt1"/>
+            </a:fontRef>
+          </p:style>
+          <p:txBody>
+            <a:bodyPr rtlCol="0" anchor="ctr"/>
+            <a:lstStyle/>
+            <a:p>
+              <a:pPr algn="ctr"/>
+              <a:endParaRPr lang="en-US"/>
+            </a:p>
+          </p:txBody>
+        </p:sp>
+        <p:sp>
+          <p:nvSpPr>
+            <p:cNvPr id="36" name="Freeform 35">
+              <a:extLst>
+                <a:ext uri="{FF2B5EF4-FFF2-40B4-BE49-F238E27FC236}">
+                  <a16:creationId xmlns:a16="http://schemas.microsoft.com/office/drawing/2014/main" id="{B698B8F8-5359-DB10-EE07-531F16D98870}"/>
+                </a:ext>
+              </a:extLst>
+            </p:cNvPr>
+            <p:cNvSpPr/>
+            <p:nvPr/>
+          </p:nvSpPr>
+          <p:spPr>
+            <a:xfrm>
+              <a:off x="9259995" y="4799125"/>
+              <a:ext cx="985877" cy="669716"/>
+            </a:xfrm>
+            <a:custGeom>
+              <a:avLst/>
+              <a:gdLst>
+                <a:gd name="connsiteX0" fmla="*/ 0 w 1676400"/>
+                <a:gd name="connsiteY0" fmla="*/ 1099242 h 1099242"/>
+                <a:gd name="connsiteX1" fmla="*/ 429490 w 1676400"/>
+                <a:gd name="connsiteY1" fmla="*/ 919133 h 1099242"/>
+                <a:gd name="connsiteX2" fmla="*/ 803563 w 1676400"/>
+                <a:gd name="connsiteY2" fmla="*/ 129424 h 1099242"/>
+                <a:gd name="connsiteX3" fmla="*/ 1080654 w 1676400"/>
+                <a:gd name="connsiteY3" fmla="*/ 74006 h 1099242"/>
+                <a:gd name="connsiteX4" fmla="*/ 1302327 w 1676400"/>
+                <a:gd name="connsiteY4" fmla="*/ 863715 h 1099242"/>
+                <a:gd name="connsiteX5" fmla="*/ 1676400 w 1676400"/>
+                <a:gd name="connsiteY5" fmla="*/ 1043824 h 1099242"/>
+              </a:gdLst>
+              <a:ahLst/>
+              <a:cxnLst>
+                <a:cxn ang="0">
+                  <a:pos x="connsiteX0" y="connsiteY0"/>
+                </a:cxn>
+                <a:cxn ang="0">
+                  <a:pos x="connsiteX1" y="connsiteY1"/>
+                </a:cxn>
+                <a:cxn ang="0">
+                  <a:pos x="connsiteX2" y="connsiteY2"/>
+                </a:cxn>
+                <a:cxn ang="0">
+                  <a:pos x="connsiteX3" y="connsiteY3"/>
+                </a:cxn>
+                <a:cxn ang="0">
+                  <a:pos x="connsiteX4" y="connsiteY4"/>
+                </a:cxn>
+                <a:cxn ang="0">
+                  <a:pos x="connsiteX5" y="connsiteY5"/>
+                </a:cxn>
+              </a:cxnLst>
+              <a:rect l="l" t="t" r="r" b="b"/>
+              <a:pathLst>
+                <a:path w="1676400" h="1099242">
+                  <a:moveTo>
+                    <a:pt x="0" y="1099242"/>
+                  </a:moveTo>
+                  <a:cubicBezTo>
+                    <a:pt x="147781" y="1090005"/>
+                    <a:pt x="295563" y="1080769"/>
+                    <a:pt x="429490" y="919133"/>
+                  </a:cubicBezTo>
+                  <a:cubicBezTo>
+                    <a:pt x="563417" y="757497"/>
+                    <a:pt x="695036" y="270279"/>
+                    <a:pt x="803563" y="129424"/>
+                  </a:cubicBezTo>
+                  <a:cubicBezTo>
+                    <a:pt x="912090" y="-11431"/>
+                    <a:pt x="997527" y="-48376"/>
+                    <a:pt x="1080654" y="74006"/>
+                  </a:cubicBezTo>
+                  <a:cubicBezTo>
+                    <a:pt x="1163781" y="196388"/>
+                    <a:pt x="1203036" y="702079"/>
+                    <a:pt x="1302327" y="863715"/>
+                  </a:cubicBezTo>
+                  <a:cubicBezTo>
+                    <a:pt x="1401618" y="1025351"/>
+                    <a:pt x="1519382" y="1009188"/>
+                    <a:pt x="1676400" y="1043824"/>
+                  </a:cubicBezTo>
+                </a:path>
+              </a:pathLst>
+            </a:custGeom>
+            <a:noFill/>
+            <a:ln w="38100">
+              <a:solidFill>
+                <a:srgbClr val="00B050"/>
+              </a:solidFill>
+            </a:ln>
+          </p:spPr>
+          <p:style>
+            <a:lnRef idx="2">
+              <a:schemeClr val="accent1">
+                <a:shade val="15000"/>
+              </a:schemeClr>
+            </a:lnRef>
+            <a:fillRef idx="1">
+              <a:schemeClr val="accent1"/>
+            </a:fillRef>
+            <a:effectRef idx="0">
+              <a:schemeClr val="accent1"/>
+            </a:effectRef>
+            <a:fontRef idx="minor">
+              <a:schemeClr val="lt1"/>
+            </a:fontRef>
+          </p:style>
+          <p:txBody>
+            <a:bodyPr rtlCol="0" anchor="ctr"/>
+            <a:lstStyle/>
+            <a:p>
+              <a:pPr algn="ctr"/>
+              <a:endParaRPr lang="en-US"/>
+            </a:p>
+          </p:txBody>
+        </p:sp>
+      </p:grpSp>
     </p:spTree>
     <p:extLst>
       <p:ext uri="{BB962C8B-B14F-4D97-AF65-F5344CB8AC3E}">
@@ -6948,6 +7278,93 @@
           </a:fontRef>
         </p:style>
       </p:cxnSp>
+      <p:grpSp>
+        <p:nvGrpSpPr>
+          <p:cNvPr id="12" name="Google Shape;117;p1">
+            <a:extLst>
+              <a:ext uri="{FF2B5EF4-FFF2-40B4-BE49-F238E27FC236}">
+                <a16:creationId xmlns:a16="http://schemas.microsoft.com/office/drawing/2014/main" id="{E7F4E979-C38D-F516-8FD8-1174021758C0}"/>
+              </a:ext>
+            </a:extLst>
+          </p:cNvPr>
+          <p:cNvGrpSpPr/>
+          <p:nvPr/>
+        </p:nvGrpSpPr>
+        <p:grpSpPr>
+          <a:xfrm rot="10800000">
+            <a:off x="5626309" y="5307021"/>
+            <a:ext cx="2490595" cy="1544643"/>
+            <a:chOff x="7187143" y="4704865"/>
+            <a:chExt cx="3127371" cy="2086719"/>
+          </a:xfrm>
+        </p:grpSpPr>
+        <p:pic>
+          <p:nvPicPr>
+            <p:cNvPr id="13" name="Google Shape;118;p1">
+              <a:extLst>
+                <a:ext uri="{FF2B5EF4-FFF2-40B4-BE49-F238E27FC236}">
+                  <a16:creationId xmlns:a16="http://schemas.microsoft.com/office/drawing/2014/main" id="{3C11CD45-1C62-A6C2-07D5-B26811FE5554}"/>
+                </a:ext>
+              </a:extLst>
+            </p:cNvPr>
+            <p:cNvPicPr preferRelativeResize="0"/>
+            <p:nvPr/>
+          </p:nvPicPr>
+          <p:blipFill rotWithShape="1">
+            <a:blip r:embed="rId4">
+              <a:alphaModFix/>
+            </a:blip>
+            <a:srcRect/>
+            <a:stretch/>
+          </p:blipFill>
+          <p:spPr>
+            <a:xfrm rot="5400000">
+              <a:off x="8229600" y="4704865"/>
+              <a:ext cx="2084914" cy="2084914"/>
+            </a:xfrm>
+            <a:prstGeom prst="rect">
+              <a:avLst/>
+            </a:prstGeom>
+            <a:noFill/>
+            <a:ln>
+              <a:noFill/>
+            </a:ln>
+          </p:spPr>
+        </p:pic>
+        <p:pic>
+          <p:nvPicPr>
+            <p:cNvPr id="14" name="Google Shape;119;p1">
+              <a:extLst>
+                <a:ext uri="{FF2B5EF4-FFF2-40B4-BE49-F238E27FC236}">
+                  <a16:creationId xmlns:a16="http://schemas.microsoft.com/office/drawing/2014/main" id="{48C1EBC2-2461-D3F8-D471-29372BA89533}"/>
+                </a:ext>
+              </a:extLst>
+            </p:cNvPr>
+            <p:cNvPicPr preferRelativeResize="0"/>
+            <p:nvPr/>
+          </p:nvPicPr>
+          <p:blipFill rotWithShape="1">
+            <a:blip r:embed="rId4">
+              <a:alphaModFix/>
+            </a:blip>
+            <a:srcRect/>
+            <a:stretch/>
+          </p:blipFill>
+          <p:spPr>
+            <a:xfrm rot="5400000">
+              <a:off x="7187143" y="4706670"/>
+              <a:ext cx="2084914" cy="2084914"/>
+            </a:xfrm>
+            <a:prstGeom prst="rect">
+              <a:avLst/>
+            </a:prstGeom>
+            <a:noFill/>
+            <a:ln>
+              <a:noFill/>
+            </a:ln>
+          </p:spPr>
+        </p:pic>
+      </p:grpSp>
     </p:spTree>
     <p:extLst>
       <p:ext uri="{BB962C8B-B14F-4D97-AF65-F5344CB8AC3E}">
